--- a/参考資料/元資料/オブジェクト指向によるソフトウェア最適設計手法 名前編.pptx
+++ b/参考資料/元資料/オブジェクト指向によるソフトウェア最適設計手法 名前編.pptx
@@ -5633,10 +5633,10 @@
       </p:sp>
       <p:grpSp>
         <p:nvGrpSpPr>
-          <p:cNvPr id="2" name="グループ化 1">
+          <p:cNvPr id="4" name="グループ化 3">
             <a:extLst>
               <a:ext uri="{FF2B5EF4-FFF2-40B4-BE49-F238E27FC236}">
-                <a16:creationId xmlns:a16="http://schemas.microsoft.com/office/drawing/2014/main" id="{91CC45CB-CED1-789E-1DB1-F68556282B5D}"/>
+                <a16:creationId xmlns:a16="http://schemas.microsoft.com/office/drawing/2014/main" id="{BED99B6C-7E23-586E-2246-4B6E0C1FB3FE}"/>
               </a:ext>
             </a:extLst>
           </p:cNvPr>
@@ -5645,12 +5645,67 @@
         </p:nvGrpSpPr>
         <p:grpSpPr>
           <a:xfrm>
-            <a:off x="976127" y="1428736"/>
-            <a:ext cx="6908536" cy="4836021"/>
-            <a:chOff x="976127" y="1428736"/>
-            <a:chExt cx="6908536" cy="4836021"/>
+            <a:off x="827584" y="1268760"/>
+            <a:ext cx="7272808" cy="5184576"/>
+            <a:chOff x="827584" y="1268760"/>
+            <a:chExt cx="7272808" cy="5184576"/>
           </a:xfrm>
         </p:grpSpPr>
+        <p:sp>
+          <p:nvSpPr>
+            <p:cNvPr id="3" name="正方形/長方形 2">
+              <a:extLst>
+                <a:ext uri="{FF2B5EF4-FFF2-40B4-BE49-F238E27FC236}">
+                  <a16:creationId xmlns:a16="http://schemas.microsoft.com/office/drawing/2014/main" id="{221F2633-9EEA-5634-5C89-4945327BFA6E}"/>
+                </a:ext>
+              </a:extLst>
+            </p:cNvPr>
+            <p:cNvSpPr/>
+            <p:nvPr/>
+          </p:nvSpPr>
+          <p:spPr>
+            <a:xfrm>
+              <a:off x="827584" y="1268760"/>
+              <a:ext cx="7272808" cy="5184576"/>
+            </a:xfrm>
+            <a:prstGeom prst="rect">
+              <a:avLst/>
+            </a:prstGeom>
+            <a:solidFill>
+              <a:schemeClr val="accent6">
+                <a:lumMod val="20000"/>
+                <a:lumOff val="80000"/>
+              </a:schemeClr>
+            </a:solidFill>
+            <a:ln>
+              <a:noFill/>
+            </a:ln>
+          </p:spPr>
+          <p:style>
+            <a:lnRef idx="2">
+              <a:schemeClr val="accent1">
+                <a:shade val="15000"/>
+              </a:schemeClr>
+            </a:lnRef>
+            <a:fillRef idx="1">
+              <a:schemeClr val="accent1"/>
+            </a:fillRef>
+            <a:effectRef idx="0">
+              <a:schemeClr val="accent1"/>
+            </a:effectRef>
+            <a:fontRef idx="minor">
+              <a:schemeClr val="lt1"/>
+            </a:fontRef>
+          </p:style>
+          <p:txBody>
+            <a:bodyPr rtlCol="0" anchor="ctr"/>
+            <a:lstStyle/>
+            <a:p>
+              <a:pPr algn="ctr"/>
+              <a:endParaRPr kumimoji="1" lang="ja-JP" altLang="en-US"/>
+            </a:p>
+          </p:txBody>
+        </p:sp>
         <p:sp>
           <p:nvSpPr>
             <p:cNvPr id="5" name="テキスト ボックス 4"/>
@@ -5749,6 +5804,13 @@
             <a:prstGeom prst="downArrow">
               <a:avLst/>
             </a:prstGeom>
+            <a:effectLst>
+              <a:outerShdw blurRad="50800" dist="38100" dir="2700000" algn="tl" rotWithShape="0">
+                <a:prstClr val="black">
+                  <a:alpha val="40000"/>
+                </a:prstClr>
+              </a:outerShdw>
+            </a:effectLst>
           </p:spPr>
           <p:style>
             <a:lnRef idx="2">
@@ -5909,7 +5971,7 @@
             <a:lstStyle/>
             <a:p>
               <a:r>
-                <a:rPr lang="ja-JP" altLang="en-US" sz="2000" b="1">
+                <a:rPr lang="ja-JP" altLang="en-US" sz="2000" b="1" dirty="0">
                   <a:latin typeface="BIZ UDPゴシック" panose="020B0400000000000000" pitchFamily="50" charset="-128"/>
                   <a:ea typeface="BIZ UDPゴシック" panose="020B0400000000000000" pitchFamily="50" charset="-128"/>
                 </a:rPr>
@@ -9909,10 +9971,10 @@
       </p:sp>
       <p:grpSp>
         <p:nvGrpSpPr>
-          <p:cNvPr id="2" name="グループ化 1">
+          <p:cNvPr id="14" name="グループ化 13">
             <a:extLst>
               <a:ext uri="{FF2B5EF4-FFF2-40B4-BE49-F238E27FC236}">
-                <a16:creationId xmlns:a16="http://schemas.microsoft.com/office/drawing/2014/main" id="{D324E353-A10B-40BC-7CF7-E161059F36DC}"/>
+                <a16:creationId xmlns:a16="http://schemas.microsoft.com/office/drawing/2014/main" id="{24B46B63-F25F-D696-274E-F6104DBF2A09}"/>
               </a:ext>
             </a:extLst>
           </p:cNvPr>
@@ -9921,12 +9983,67 @@
         </p:nvGrpSpPr>
         <p:grpSpPr>
           <a:xfrm>
-            <a:off x="559275" y="2571750"/>
-            <a:ext cx="7584127" cy="3289519"/>
-            <a:chOff x="559275" y="2571750"/>
-            <a:chExt cx="7584127" cy="3289519"/>
+            <a:off x="395536" y="2420888"/>
+            <a:ext cx="7992888" cy="3672408"/>
+            <a:chOff x="395536" y="2420888"/>
+            <a:chExt cx="7992888" cy="3672408"/>
           </a:xfrm>
         </p:grpSpPr>
+        <p:sp>
+          <p:nvSpPr>
+            <p:cNvPr id="13" name="正方形/長方形 12">
+              <a:extLst>
+                <a:ext uri="{FF2B5EF4-FFF2-40B4-BE49-F238E27FC236}">
+                  <a16:creationId xmlns:a16="http://schemas.microsoft.com/office/drawing/2014/main" id="{BD6C77B0-A810-8AE4-AC39-C44446EEDE03}"/>
+                </a:ext>
+              </a:extLst>
+            </p:cNvPr>
+            <p:cNvSpPr/>
+            <p:nvPr/>
+          </p:nvSpPr>
+          <p:spPr>
+            <a:xfrm>
+              <a:off x="395536" y="2420888"/>
+              <a:ext cx="7992888" cy="3672408"/>
+            </a:xfrm>
+            <a:prstGeom prst="rect">
+              <a:avLst/>
+            </a:prstGeom>
+            <a:solidFill>
+              <a:schemeClr val="accent6">
+                <a:lumMod val="20000"/>
+                <a:lumOff val="80000"/>
+              </a:schemeClr>
+            </a:solidFill>
+            <a:ln>
+              <a:noFill/>
+            </a:ln>
+          </p:spPr>
+          <p:style>
+            <a:lnRef idx="2">
+              <a:schemeClr val="accent1">
+                <a:shade val="15000"/>
+              </a:schemeClr>
+            </a:lnRef>
+            <a:fillRef idx="1">
+              <a:schemeClr val="accent1"/>
+            </a:fillRef>
+            <a:effectRef idx="0">
+              <a:schemeClr val="accent1"/>
+            </a:effectRef>
+            <a:fontRef idx="minor">
+              <a:schemeClr val="lt1"/>
+            </a:fontRef>
+          </p:style>
+          <p:txBody>
+            <a:bodyPr rtlCol="0" anchor="ctr"/>
+            <a:lstStyle/>
+            <a:p>
+              <a:pPr algn="ctr"/>
+              <a:endParaRPr kumimoji="1" lang="ja-JP" altLang="en-US"/>
+            </a:p>
+          </p:txBody>
+        </p:sp>
         <p:sp>
           <p:nvSpPr>
             <p:cNvPr id="4" name="テキスト ボックス 3"/>
@@ -10981,10 +11098,10 @@
       </p:sp>
       <p:grpSp>
         <p:nvGrpSpPr>
-          <p:cNvPr id="3" name="グループ化 2">
+          <p:cNvPr id="5" name="グループ化 4">
             <a:extLst>
               <a:ext uri="{FF2B5EF4-FFF2-40B4-BE49-F238E27FC236}">
-                <a16:creationId xmlns:a16="http://schemas.microsoft.com/office/drawing/2014/main" id="{CA039B44-CA17-DDA8-7EB2-D84EA15E361E}"/>
+                <a16:creationId xmlns:a16="http://schemas.microsoft.com/office/drawing/2014/main" id="{64B5EF1A-A9D3-51AC-75DB-0E6E0C4C9CA0}"/>
               </a:ext>
             </a:extLst>
           </p:cNvPr>
@@ -10993,12 +11110,67 @@
         </p:nvGrpSpPr>
         <p:grpSpPr>
           <a:xfrm>
-            <a:off x="929442" y="2571750"/>
-            <a:ext cx="7652583" cy="3881438"/>
-            <a:chOff x="929442" y="2571750"/>
-            <a:chExt cx="7652583" cy="3881438"/>
+            <a:off x="827584" y="2256904"/>
+            <a:ext cx="7992888" cy="4196284"/>
+            <a:chOff x="827584" y="2256904"/>
+            <a:chExt cx="7992888" cy="4196284"/>
           </a:xfrm>
         </p:grpSpPr>
+        <p:sp>
+          <p:nvSpPr>
+            <p:cNvPr id="4" name="正方形/長方形 3">
+              <a:extLst>
+                <a:ext uri="{FF2B5EF4-FFF2-40B4-BE49-F238E27FC236}">
+                  <a16:creationId xmlns:a16="http://schemas.microsoft.com/office/drawing/2014/main" id="{C7264294-4495-5EB8-261A-A00886C17B81}"/>
+                </a:ext>
+              </a:extLst>
+            </p:cNvPr>
+            <p:cNvSpPr/>
+            <p:nvPr/>
+          </p:nvSpPr>
+          <p:spPr>
+            <a:xfrm>
+              <a:off x="827584" y="2256904"/>
+              <a:ext cx="7992888" cy="4196283"/>
+            </a:xfrm>
+            <a:prstGeom prst="rect">
+              <a:avLst/>
+            </a:prstGeom>
+            <a:solidFill>
+              <a:schemeClr val="accent6">
+                <a:lumMod val="20000"/>
+                <a:lumOff val="80000"/>
+              </a:schemeClr>
+            </a:solidFill>
+            <a:ln>
+              <a:noFill/>
+            </a:ln>
+          </p:spPr>
+          <p:style>
+            <a:lnRef idx="2">
+              <a:schemeClr val="accent1">
+                <a:shade val="15000"/>
+              </a:schemeClr>
+            </a:lnRef>
+            <a:fillRef idx="1">
+              <a:schemeClr val="accent1"/>
+            </a:fillRef>
+            <a:effectRef idx="0">
+              <a:schemeClr val="accent1"/>
+            </a:effectRef>
+            <a:fontRef idx="minor">
+              <a:schemeClr val="lt1"/>
+            </a:fontRef>
+          </p:style>
+          <p:txBody>
+            <a:bodyPr rtlCol="0" anchor="ctr"/>
+            <a:lstStyle/>
+            <a:p>
+              <a:pPr algn="ctr"/>
+              <a:endParaRPr kumimoji="1" lang="ja-JP" altLang="en-US"/>
+            </a:p>
+          </p:txBody>
+        </p:sp>
         <p:cxnSp>
           <p:nvCxnSpPr>
             <p:cNvPr id="9" name="直線矢印コネクタ 8"/>
@@ -14865,252 +15037,6 @@
       </p:grpSpPr>
       <p:sp>
         <p:nvSpPr>
-          <p:cNvPr id="6" name="テキスト ボックス 5"/>
-          <p:cNvSpPr txBox="1"/>
-          <p:nvPr/>
-        </p:nvSpPr>
-        <p:spPr>
-          <a:xfrm>
-            <a:off x="1143000" y="1455738"/>
-            <a:ext cx="4784725" cy="830262"/>
-          </a:xfrm>
-          <a:prstGeom prst="rect">
-            <a:avLst/>
-          </a:prstGeom>
-        </p:spPr>
-        <p:style>
-          <a:lnRef idx="1">
-            <a:schemeClr val="dk1"/>
-          </a:lnRef>
-          <a:fillRef idx="2">
-            <a:schemeClr val="dk1"/>
-          </a:fillRef>
-          <a:effectRef idx="1">
-            <a:schemeClr val="dk1"/>
-          </a:effectRef>
-          <a:fontRef idx="minor">
-            <a:schemeClr val="dk1"/>
-          </a:fontRef>
-        </p:style>
-        <p:txBody>
-          <a:bodyPr wrap="none">
-            <a:spAutoFit/>
-          </a:bodyPr>
-          <a:lstStyle/>
-          <a:p>
-            <a:pPr>
-              <a:defRPr/>
-            </a:pPr>
-            <a:r>
-              <a:rPr lang="ja-JP" altLang="en-US" sz="4800" dirty="0"/>
-              <a:t>何故作る</a:t>
-            </a:r>
-            <a:r>
-              <a:rPr lang="en-US" altLang="ja-JP" sz="4800" dirty="0"/>
-              <a:t>?</a:t>
-            </a:r>
-            <a:r>
-              <a:rPr lang="ja-JP" altLang="en-US" sz="4800" dirty="0"/>
-              <a:t> </a:t>
-            </a:r>
-            <a:r>
-              <a:rPr lang="en-US" altLang="ja-JP" sz="4800" dirty="0"/>
-              <a:t>(Why?)</a:t>
-            </a:r>
-            <a:endParaRPr lang="ja-JP" altLang="en-US" sz="4800" dirty="0"/>
-          </a:p>
-        </p:txBody>
-      </p:sp>
-      <p:sp>
-        <p:nvSpPr>
-          <p:cNvPr id="7" name="テキスト ボックス 6"/>
-          <p:cNvSpPr txBox="1"/>
-          <p:nvPr/>
-        </p:nvSpPr>
-        <p:spPr>
-          <a:xfrm>
-            <a:off x="1071563" y="3527425"/>
-            <a:ext cx="4926012" cy="830263"/>
-          </a:xfrm>
-          <a:prstGeom prst="rect">
-            <a:avLst/>
-          </a:prstGeom>
-        </p:spPr>
-        <p:style>
-          <a:lnRef idx="1">
-            <a:schemeClr val="accent1"/>
-          </a:lnRef>
-          <a:fillRef idx="2">
-            <a:schemeClr val="accent1"/>
-          </a:fillRef>
-          <a:effectRef idx="1">
-            <a:schemeClr val="accent1"/>
-          </a:effectRef>
-          <a:fontRef idx="minor">
-            <a:schemeClr val="dk1"/>
-          </a:fontRef>
-        </p:style>
-        <p:txBody>
-          <a:bodyPr wrap="none">
-            <a:spAutoFit/>
-          </a:bodyPr>
-          <a:lstStyle/>
-          <a:p>
-            <a:pPr>
-              <a:defRPr/>
-            </a:pPr>
-            <a:r>
-              <a:rPr lang="ja-JP" altLang="en-US" sz="4800" dirty="0"/>
-              <a:t>何を作る</a:t>
-            </a:r>
-            <a:r>
-              <a:rPr lang="en-US" altLang="ja-JP" sz="4800" dirty="0"/>
-              <a:t>? (What?)</a:t>
-            </a:r>
-            <a:endParaRPr lang="ja-JP" altLang="en-US" sz="4800" dirty="0"/>
-          </a:p>
-        </p:txBody>
-      </p:sp>
-      <p:sp>
-        <p:nvSpPr>
-          <p:cNvPr id="8" name="テキスト ボックス 7"/>
-          <p:cNvSpPr txBox="1"/>
-          <p:nvPr/>
-        </p:nvSpPr>
-        <p:spPr>
-          <a:xfrm>
-            <a:off x="1143000" y="5599113"/>
-            <a:ext cx="4810125" cy="830262"/>
-          </a:xfrm>
-          <a:prstGeom prst="rect">
-            <a:avLst/>
-          </a:prstGeom>
-        </p:spPr>
-        <p:style>
-          <a:lnRef idx="1">
-            <a:schemeClr val="accent2"/>
-          </a:lnRef>
-          <a:fillRef idx="2">
-            <a:schemeClr val="accent2"/>
-          </a:fillRef>
-          <a:effectRef idx="1">
-            <a:schemeClr val="accent2"/>
-          </a:effectRef>
-          <a:fontRef idx="minor">
-            <a:schemeClr val="dk1"/>
-          </a:fontRef>
-        </p:style>
-        <p:txBody>
-          <a:bodyPr wrap="none">
-            <a:spAutoFit/>
-          </a:bodyPr>
-          <a:lstStyle/>
-          <a:p>
-            <a:pPr>
-              <a:defRPr/>
-            </a:pPr>
-            <a:r>
-              <a:rPr lang="ja-JP" altLang="en-US" sz="4800" dirty="0"/>
-              <a:t>どう作る</a:t>
-            </a:r>
-            <a:r>
-              <a:rPr lang="en-US" altLang="ja-JP" sz="4800" dirty="0"/>
-              <a:t>?</a:t>
-            </a:r>
-            <a:r>
-              <a:rPr lang="ja-JP" altLang="en-US" sz="4800" dirty="0"/>
-              <a:t> </a:t>
-            </a:r>
-            <a:r>
-              <a:rPr lang="en-US" altLang="ja-JP" sz="4800" dirty="0"/>
-              <a:t>(How?)</a:t>
-            </a:r>
-            <a:endParaRPr lang="ja-JP" altLang="en-US" sz="4800" dirty="0"/>
-          </a:p>
-        </p:txBody>
-      </p:sp>
-      <p:sp>
-        <p:nvSpPr>
-          <p:cNvPr id="9" name="下矢印 8"/>
-          <p:cNvSpPr/>
-          <p:nvPr/>
-        </p:nvSpPr>
-        <p:spPr>
-          <a:xfrm>
-            <a:off x="3071787" y="2740879"/>
-            <a:ext cx="857256" cy="571504"/>
-          </a:xfrm>
-          <a:prstGeom prst="downArrow">
-            <a:avLst/>
-          </a:prstGeom>
-        </p:spPr>
-        <p:style>
-          <a:lnRef idx="0">
-            <a:schemeClr val="accent3"/>
-          </a:lnRef>
-          <a:fillRef idx="3">
-            <a:schemeClr val="accent3"/>
-          </a:fillRef>
-          <a:effectRef idx="3">
-            <a:schemeClr val="accent3"/>
-          </a:effectRef>
-          <a:fontRef idx="minor">
-            <a:schemeClr val="lt1"/>
-          </a:fontRef>
-        </p:style>
-        <p:txBody>
-          <a:bodyPr anchor="ctr"/>
-          <a:lstStyle/>
-          <a:p>
-            <a:pPr algn="ctr">
-              <a:defRPr/>
-            </a:pPr>
-            <a:endParaRPr lang="ja-JP" altLang="en-US"/>
-          </a:p>
-        </p:txBody>
-      </p:sp>
-      <p:sp>
-        <p:nvSpPr>
-          <p:cNvPr id="10" name="下矢印 9"/>
-          <p:cNvSpPr/>
-          <p:nvPr/>
-        </p:nvSpPr>
-        <p:spPr>
-          <a:xfrm>
-            <a:off x="3071787" y="4669705"/>
-            <a:ext cx="857256" cy="571504"/>
-          </a:xfrm>
-          <a:prstGeom prst="downArrow">
-            <a:avLst/>
-          </a:prstGeom>
-        </p:spPr>
-        <p:style>
-          <a:lnRef idx="0">
-            <a:schemeClr val="accent3"/>
-          </a:lnRef>
-          <a:fillRef idx="3">
-            <a:schemeClr val="accent3"/>
-          </a:fillRef>
-          <a:effectRef idx="3">
-            <a:schemeClr val="accent3"/>
-          </a:effectRef>
-          <a:fontRef idx="minor">
-            <a:schemeClr val="lt1"/>
-          </a:fontRef>
-        </p:style>
-        <p:txBody>
-          <a:bodyPr anchor="ctr"/>
-          <a:lstStyle/>
-          <a:p>
-            <a:pPr algn="ctr">
-              <a:defRPr/>
-            </a:pPr>
-            <a:endParaRPr lang="ja-JP" altLang="en-US"/>
-          </a:p>
-        </p:txBody>
-      </p:sp>
-      <p:sp>
-        <p:nvSpPr>
           <p:cNvPr id="47115" name="タイトル 1"/>
           <p:cNvSpPr>
             <a:spLocks noGrp="1"/>
@@ -15141,63 +15067,330 @@
           </a:p>
         </p:txBody>
       </p:sp>
-      <p:sp>
-        <p:nvSpPr>
-          <p:cNvPr id="11" name="角丸四角形吹き出し 10"/>
-          <p:cNvSpPr/>
+      <p:grpSp>
+        <p:nvGrpSpPr>
+          <p:cNvPr id="3" name="グループ化 2">
+            <a:extLst>
+              <a:ext uri="{FF2B5EF4-FFF2-40B4-BE49-F238E27FC236}">
+                <a16:creationId xmlns:a16="http://schemas.microsoft.com/office/drawing/2014/main" id="{BACB1678-9C7E-FABC-C94A-1C888FE56DD2}"/>
+              </a:ext>
+            </a:extLst>
+          </p:cNvPr>
+          <p:cNvGrpSpPr/>
           <p:nvPr/>
-        </p:nvSpPr>
-        <p:spPr>
+        </p:nvGrpSpPr>
+        <p:grpSpPr>
           <a:xfrm>
-            <a:off x="6286500" y="2857500"/>
-            <a:ext cx="2643188" cy="1571625"/>
+            <a:off x="1071563" y="1455738"/>
+            <a:ext cx="7858125" cy="4973637"/>
+            <a:chOff x="1071563" y="1455738"/>
+            <a:chExt cx="7858125" cy="4973637"/>
           </a:xfrm>
-          <a:prstGeom prst="wedgeRoundRectCallout">
-            <a:avLst>
-              <a:gd name="adj1" fmla="val -33683"/>
-              <a:gd name="adj2" fmla="val -64673"/>
-              <a:gd name="adj3" fmla="val 16667"/>
-            </a:avLst>
-          </a:prstGeom>
-        </p:spPr>
-        <p:style>
-          <a:lnRef idx="1">
-            <a:schemeClr val="accent3"/>
-          </a:lnRef>
-          <a:fillRef idx="2">
-            <a:schemeClr val="accent3"/>
-          </a:fillRef>
-          <a:effectRef idx="1">
-            <a:schemeClr val="accent3"/>
-          </a:effectRef>
-          <a:fontRef idx="minor">
-            <a:schemeClr val="dk1"/>
-          </a:fontRef>
-        </p:style>
-        <p:txBody>
-          <a:bodyPr anchor="ctr"/>
-          <a:lstStyle/>
-          <a:p>
-            <a:pPr algn="ctr">
-              <a:defRPr/>
-            </a:pPr>
-            <a:r>
-              <a:rPr lang="ja-JP" altLang="en-US" sz="2800" dirty="0"/>
-              <a:t>目的が手段を</a:t>
-            </a:r>
-            <a:endParaRPr lang="en-US" altLang="ja-JP" sz="2800" dirty="0"/>
-          </a:p>
-          <a:p>
-            <a:pPr algn="ctr">
-              <a:defRPr/>
-            </a:pPr>
-            <a:r>
-              <a:rPr lang="ja-JP" altLang="en-US" sz="2800" dirty="0"/>
-              <a:t>駆動する。</a:t>
-            </a:r>
-          </a:p>
-        </p:txBody>
-      </p:sp>
+        </p:grpSpPr>
+        <p:sp>
+          <p:nvSpPr>
+            <p:cNvPr id="6" name="テキスト ボックス 5"/>
+            <p:cNvSpPr txBox="1"/>
+            <p:nvPr/>
+          </p:nvSpPr>
+          <p:spPr>
+            <a:xfrm>
+              <a:off x="1143000" y="1455738"/>
+              <a:ext cx="4784725" cy="830262"/>
+            </a:xfrm>
+            <a:prstGeom prst="rect">
+              <a:avLst/>
+            </a:prstGeom>
+          </p:spPr>
+          <p:style>
+            <a:lnRef idx="1">
+              <a:schemeClr val="dk1"/>
+            </a:lnRef>
+            <a:fillRef idx="2">
+              <a:schemeClr val="dk1"/>
+            </a:fillRef>
+            <a:effectRef idx="1">
+              <a:schemeClr val="dk1"/>
+            </a:effectRef>
+            <a:fontRef idx="minor">
+              <a:schemeClr val="dk1"/>
+            </a:fontRef>
+          </p:style>
+          <p:txBody>
+            <a:bodyPr wrap="none">
+              <a:spAutoFit/>
+            </a:bodyPr>
+            <a:lstStyle/>
+            <a:p>
+              <a:pPr>
+                <a:defRPr/>
+              </a:pPr>
+              <a:r>
+                <a:rPr lang="ja-JP" altLang="en-US" sz="4800" dirty="0"/>
+                <a:t>何故作る</a:t>
+              </a:r>
+              <a:r>
+                <a:rPr lang="en-US" altLang="ja-JP" sz="4800" dirty="0"/>
+                <a:t>?</a:t>
+              </a:r>
+              <a:r>
+                <a:rPr lang="ja-JP" altLang="en-US" sz="4800" dirty="0"/>
+                <a:t> </a:t>
+              </a:r>
+              <a:r>
+                <a:rPr lang="en-US" altLang="ja-JP" sz="4800" dirty="0"/>
+                <a:t>(Why?)</a:t>
+              </a:r>
+              <a:endParaRPr lang="ja-JP" altLang="en-US" sz="4800" dirty="0"/>
+            </a:p>
+          </p:txBody>
+        </p:sp>
+        <p:sp>
+          <p:nvSpPr>
+            <p:cNvPr id="7" name="テキスト ボックス 6"/>
+            <p:cNvSpPr txBox="1"/>
+            <p:nvPr/>
+          </p:nvSpPr>
+          <p:spPr>
+            <a:xfrm>
+              <a:off x="1071563" y="3527425"/>
+              <a:ext cx="4926012" cy="830263"/>
+            </a:xfrm>
+            <a:prstGeom prst="rect">
+              <a:avLst/>
+            </a:prstGeom>
+          </p:spPr>
+          <p:style>
+            <a:lnRef idx="1">
+              <a:schemeClr val="accent1"/>
+            </a:lnRef>
+            <a:fillRef idx="2">
+              <a:schemeClr val="accent1"/>
+            </a:fillRef>
+            <a:effectRef idx="1">
+              <a:schemeClr val="accent1"/>
+            </a:effectRef>
+            <a:fontRef idx="minor">
+              <a:schemeClr val="dk1"/>
+            </a:fontRef>
+          </p:style>
+          <p:txBody>
+            <a:bodyPr wrap="none">
+              <a:spAutoFit/>
+            </a:bodyPr>
+            <a:lstStyle/>
+            <a:p>
+              <a:pPr>
+                <a:defRPr/>
+              </a:pPr>
+              <a:r>
+                <a:rPr lang="ja-JP" altLang="en-US" sz="4800" dirty="0"/>
+                <a:t>何を作る</a:t>
+              </a:r>
+              <a:r>
+                <a:rPr lang="en-US" altLang="ja-JP" sz="4800" dirty="0"/>
+                <a:t>? (What?)</a:t>
+              </a:r>
+              <a:endParaRPr lang="ja-JP" altLang="en-US" sz="4800" dirty="0"/>
+            </a:p>
+          </p:txBody>
+        </p:sp>
+        <p:sp>
+          <p:nvSpPr>
+            <p:cNvPr id="8" name="テキスト ボックス 7"/>
+            <p:cNvSpPr txBox="1"/>
+            <p:nvPr/>
+          </p:nvSpPr>
+          <p:spPr>
+            <a:xfrm>
+              <a:off x="1143000" y="5599113"/>
+              <a:ext cx="4810125" cy="830262"/>
+            </a:xfrm>
+            <a:prstGeom prst="rect">
+              <a:avLst/>
+            </a:prstGeom>
+          </p:spPr>
+          <p:style>
+            <a:lnRef idx="1">
+              <a:schemeClr val="accent2"/>
+            </a:lnRef>
+            <a:fillRef idx="2">
+              <a:schemeClr val="accent2"/>
+            </a:fillRef>
+            <a:effectRef idx="1">
+              <a:schemeClr val="accent2"/>
+            </a:effectRef>
+            <a:fontRef idx="minor">
+              <a:schemeClr val="dk1"/>
+            </a:fontRef>
+          </p:style>
+          <p:txBody>
+            <a:bodyPr wrap="none">
+              <a:spAutoFit/>
+            </a:bodyPr>
+            <a:lstStyle/>
+            <a:p>
+              <a:pPr>
+                <a:defRPr/>
+              </a:pPr>
+              <a:r>
+                <a:rPr lang="ja-JP" altLang="en-US" sz="4800" dirty="0"/>
+                <a:t>どう作る</a:t>
+              </a:r>
+              <a:r>
+                <a:rPr lang="en-US" altLang="ja-JP" sz="4800" dirty="0"/>
+                <a:t>?</a:t>
+              </a:r>
+              <a:r>
+                <a:rPr lang="ja-JP" altLang="en-US" sz="4800" dirty="0"/>
+                <a:t> </a:t>
+              </a:r>
+              <a:r>
+                <a:rPr lang="en-US" altLang="ja-JP" sz="4800" dirty="0"/>
+                <a:t>(How?)</a:t>
+              </a:r>
+              <a:endParaRPr lang="ja-JP" altLang="en-US" sz="4800" dirty="0"/>
+            </a:p>
+          </p:txBody>
+        </p:sp>
+        <p:sp>
+          <p:nvSpPr>
+            <p:cNvPr id="9" name="下矢印 8"/>
+            <p:cNvSpPr/>
+            <p:nvPr/>
+          </p:nvSpPr>
+          <p:spPr>
+            <a:xfrm>
+              <a:off x="3071787" y="2740879"/>
+              <a:ext cx="857256" cy="571504"/>
+            </a:xfrm>
+            <a:prstGeom prst="downArrow">
+              <a:avLst/>
+            </a:prstGeom>
+          </p:spPr>
+          <p:style>
+            <a:lnRef idx="0">
+              <a:schemeClr val="accent3"/>
+            </a:lnRef>
+            <a:fillRef idx="3">
+              <a:schemeClr val="accent3"/>
+            </a:fillRef>
+            <a:effectRef idx="3">
+              <a:schemeClr val="accent3"/>
+            </a:effectRef>
+            <a:fontRef idx="minor">
+              <a:schemeClr val="lt1"/>
+            </a:fontRef>
+          </p:style>
+          <p:txBody>
+            <a:bodyPr anchor="ctr"/>
+            <a:lstStyle/>
+            <a:p>
+              <a:pPr algn="ctr">
+                <a:defRPr/>
+              </a:pPr>
+              <a:endParaRPr lang="ja-JP" altLang="en-US"/>
+            </a:p>
+          </p:txBody>
+        </p:sp>
+        <p:sp>
+          <p:nvSpPr>
+            <p:cNvPr id="10" name="下矢印 9"/>
+            <p:cNvSpPr/>
+            <p:nvPr/>
+          </p:nvSpPr>
+          <p:spPr>
+            <a:xfrm>
+              <a:off x="3071787" y="4669705"/>
+              <a:ext cx="857256" cy="571504"/>
+            </a:xfrm>
+            <a:prstGeom prst="downArrow">
+              <a:avLst/>
+            </a:prstGeom>
+          </p:spPr>
+          <p:style>
+            <a:lnRef idx="0">
+              <a:schemeClr val="accent3"/>
+            </a:lnRef>
+            <a:fillRef idx="3">
+              <a:schemeClr val="accent3"/>
+            </a:fillRef>
+            <a:effectRef idx="3">
+              <a:schemeClr val="accent3"/>
+            </a:effectRef>
+            <a:fontRef idx="minor">
+              <a:schemeClr val="lt1"/>
+            </a:fontRef>
+          </p:style>
+          <p:txBody>
+            <a:bodyPr anchor="ctr"/>
+            <a:lstStyle/>
+            <a:p>
+              <a:pPr algn="ctr">
+                <a:defRPr/>
+              </a:pPr>
+              <a:endParaRPr lang="ja-JP" altLang="en-US"/>
+            </a:p>
+          </p:txBody>
+        </p:sp>
+        <p:sp>
+          <p:nvSpPr>
+            <p:cNvPr id="11" name="角丸四角形吹き出し 10"/>
+            <p:cNvSpPr/>
+            <p:nvPr/>
+          </p:nvSpPr>
+          <p:spPr>
+            <a:xfrm>
+              <a:off x="6286500" y="2857500"/>
+              <a:ext cx="2643188" cy="1571625"/>
+            </a:xfrm>
+            <a:prstGeom prst="wedgeRoundRectCallout">
+              <a:avLst>
+                <a:gd name="adj1" fmla="val -33683"/>
+                <a:gd name="adj2" fmla="val -64673"/>
+                <a:gd name="adj3" fmla="val 16667"/>
+              </a:avLst>
+            </a:prstGeom>
+          </p:spPr>
+          <p:style>
+            <a:lnRef idx="1">
+              <a:schemeClr val="accent3"/>
+            </a:lnRef>
+            <a:fillRef idx="2">
+              <a:schemeClr val="accent3"/>
+            </a:fillRef>
+            <a:effectRef idx="1">
+              <a:schemeClr val="accent3"/>
+            </a:effectRef>
+            <a:fontRef idx="minor">
+              <a:schemeClr val="dk1"/>
+            </a:fontRef>
+          </p:style>
+          <p:txBody>
+            <a:bodyPr anchor="ctr"/>
+            <a:lstStyle/>
+            <a:p>
+              <a:pPr algn="ctr">
+                <a:defRPr/>
+              </a:pPr>
+              <a:r>
+                <a:rPr lang="ja-JP" altLang="en-US" sz="2800" dirty="0"/>
+                <a:t>目的が手段を</a:t>
+              </a:r>
+              <a:endParaRPr lang="en-US" altLang="ja-JP" sz="2800" dirty="0"/>
+            </a:p>
+            <a:p>
+              <a:pPr algn="ctr">
+                <a:defRPr/>
+              </a:pPr>
+              <a:r>
+                <a:rPr lang="ja-JP" altLang="en-US" sz="2800" dirty="0"/>
+                <a:t>駆動する。</a:t>
+              </a:r>
+            </a:p>
+          </p:txBody>
+        </p:sp>
+      </p:grpSp>
       <p:sp>
         <p:nvSpPr>
           <p:cNvPr id="12" name="フッター プレースホルダ 11"/>
@@ -18558,10 +18751,10 @@
       </p:sp>
       <p:grpSp>
         <p:nvGrpSpPr>
-          <p:cNvPr id="3" name="グループ化 2">
+          <p:cNvPr id="4" name="グループ化 3">
             <a:extLst>
               <a:ext uri="{FF2B5EF4-FFF2-40B4-BE49-F238E27FC236}">
-                <a16:creationId xmlns:a16="http://schemas.microsoft.com/office/drawing/2014/main" id="{6B4ED16A-746E-086F-500A-CD6E7F5D927E}"/>
+                <a16:creationId xmlns:a16="http://schemas.microsoft.com/office/drawing/2014/main" id="{56A96F1A-ADE5-D584-DA7F-7A15A1FE7EE5}"/>
               </a:ext>
             </a:extLst>
           </p:cNvPr>
@@ -18570,12 +18763,67 @@
         </p:nvGrpSpPr>
         <p:grpSpPr>
           <a:xfrm>
-            <a:off x="469322" y="2643189"/>
-            <a:ext cx="8388928" cy="1926530"/>
-            <a:chOff x="469322" y="2643189"/>
-            <a:chExt cx="8388928" cy="1926530"/>
+            <a:off x="285750" y="2420887"/>
+            <a:ext cx="8771434" cy="2448273"/>
+            <a:chOff x="285750" y="2420887"/>
+            <a:chExt cx="8771434" cy="2448273"/>
           </a:xfrm>
         </p:grpSpPr>
+        <p:sp>
+          <p:nvSpPr>
+            <p:cNvPr id="2" name="正方形/長方形 1">
+              <a:extLst>
+                <a:ext uri="{FF2B5EF4-FFF2-40B4-BE49-F238E27FC236}">
+                  <a16:creationId xmlns:a16="http://schemas.microsoft.com/office/drawing/2014/main" id="{E91226AC-BF95-F58E-E6FA-4D7DE554D16B}"/>
+                </a:ext>
+              </a:extLst>
+            </p:cNvPr>
+            <p:cNvSpPr/>
+            <p:nvPr/>
+          </p:nvSpPr>
+          <p:spPr>
+            <a:xfrm>
+              <a:off x="285750" y="2420887"/>
+              <a:ext cx="8771434" cy="2448273"/>
+            </a:xfrm>
+            <a:prstGeom prst="rect">
+              <a:avLst/>
+            </a:prstGeom>
+            <a:solidFill>
+              <a:schemeClr val="accent6">
+                <a:lumMod val="20000"/>
+                <a:lumOff val="80000"/>
+              </a:schemeClr>
+            </a:solidFill>
+            <a:ln>
+              <a:noFill/>
+            </a:ln>
+          </p:spPr>
+          <p:style>
+            <a:lnRef idx="2">
+              <a:schemeClr val="accent1">
+                <a:shade val="15000"/>
+              </a:schemeClr>
+            </a:lnRef>
+            <a:fillRef idx="1">
+              <a:schemeClr val="accent1"/>
+            </a:fillRef>
+            <a:effectRef idx="0">
+              <a:schemeClr val="accent1"/>
+            </a:effectRef>
+            <a:fontRef idx="minor">
+              <a:schemeClr val="lt1"/>
+            </a:fontRef>
+          </p:style>
+          <p:txBody>
+            <a:bodyPr rtlCol="0" anchor="ctr"/>
+            <a:lstStyle/>
+            <a:p>
+              <a:pPr algn="ctr"/>
+              <a:endParaRPr kumimoji="1" lang="ja-JP" altLang="en-US"/>
+            </a:p>
+          </p:txBody>
+        </p:sp>
         <p:sp>
           <p:nvSpPr>
             <p:cNvPr id="7" name="正方形/長方形 6"/>
@@ -20401,10 +20649,10 @@
       </p:sp>
       <p:grpSp>
         <p:nvGrpSpPr>
-          <p:cNvPr id="2" name="グループ化 1">
+          <p:cNvPr id="5" name="グループ化 4">
             <a:extLst>
               <a:ext uri="{FF2B5EF4-FFF2-40B4-BE49-F238E27FC236}">
-                <a16:creationId xmlns:a16="http://schemas.microsoft.com/office/drawing/2014/main" id="{2A2F7AF1-6F24-9C13-B6C9-038A6E1C4E5B}"/>
+                <a16:creationId xmlns:a16="http://schemas.microsoft.com/office/drawing/2014/main" id="{0E2D798A-DD91-8499-3658-AED3820279CD}"/>
               </a:ext>
             </a:extLst>
           </p:cNvPr>
@@ -20413,12 +20661,67 @@
         </p:nvGrpSpPr>
         <p:grpSpPr>
           <a:xfrm>
-            <a:off x="285750" y="2643188"/>
-            <a:ext cx="8501063" cy="3000375"/>
-            <a:chOff x="285750" y="2643188"/>
-            <a:chExt cx="8501063" cy="3000375"/>
+            <a:off x="179512" y="2256905"/>
+            <a:ext cx="8784976" cy="3620368"/>
+            <a:chOff x="179512" y="2256905"/>
+            <a:chExt cx="8784976" cy="3620368"/>
           </a:xfrm>
         </p:grpSpPr>
+        <p:sp>
+          <p:nvSpPr>
+            <p:cNvPr id="3" name="正方形/長方形 2">
+              <a:extLst>
+                <a:ext uri="{FF2B5EF4-FFF2-40B4-BE49-F238E27FC236}">
+                  <a16:creationId xmlns:a16="http://schemas.microsoft.com/office/drawing/2014/main" id="{E6B38688-13E6-280A-91DC-7937F813EFC1}"/>
+                </a:ext>
+              </a:extLst>
+            </p:cNvPr>
+            <p:cNvSpPr/>
+            <p:nvPr/>
+          </p:nvSpPr>
+          <p:spPr>
+            <a:xfrm>
+              <a:off x="179512" y="2256905"/>
+              <a:ext cx="8784976" cy="3620368"/>
+            </a:xfrm>
+            <a:prstGeom prst="rect">
+              <a:avLst/>
+            </a:prstGeom>
+            <a:solidFill>
+              <a:schemeClr val="accent6">
+                <a:lumMod val="20000"/>
+                <a:lumOff val="80000"/>
+              </a:schemeClr>
+            </a:solidFill>
+            <a:ln>
+              <a:noFill/>
+            </a:ln>
+          </p:spPr>
+          <p:style>
+            <a:lnRef idx="2">
+              <a:schemeClr val="accent1">
+                <a:shade val="15000"/>
+              </a:schemeClr>
+            </a:lnRef>
+            <a:fillRef idx="1">
+              <a:schemeClr val="accent1"/>
+            </a:fillRef>
+            <a:effectRef idx="0">
+              <a:schemeClr val="accent1"/>
+            </a:effectRef>
+            <a:fontRef idx="minor">
+              <a:schemeClr val="lt1"/>
+            </a:fontRef>
+          </p:style>
+          <p:txBody>
+            <a:bodyPr rtlCol="0" anchor="ctr"/>
+            <a:lstStyle/>
+            <a:p>
+              <a:pPr algn="ctr"/>
+              <a:endParaRPr kumimoji="1" lang="ja-JP" altLang="en-US"/>
+            </a:p>
+          </p:txBody>
+        </p:sp>
         <p:sp>
           <p:nvSpPr>
             <p:cNvPr id="7" name="正方形/長方形 6"/>
@@ -20608,6 +20911,12 @@
             <a:prstGeom prst="rect">
               <a:avLst/>
             </a:prstGeom>
+            <a:solidFill>
+              <a:schemeClr val="accent6">
+                <a:lumMod val="20000"/>
+                <a:lumOff val="80000"/>
+              </a:schemeClr>
+            </a:solidFill>
             <a:ln>
               <a:noFill/>
             </a:ln>
@@ -21790,10 +22099,10 @@
       </p:grpSpPr>
       <p:grpSp>
         <p:nvGrpSpPr>
-          <p:cNvPr id="2" name="グループ化 1">
+          <p:cNvPr id="4" name="グループ化 3">
             <a:extLst>
               <a:ext uri="{FF2B5EF4-FFF2-40B4-BE49-F238E27FC236}">
-                <a16:creationId xmlns:a16="http://schemas.microsoft.com/office/drawing/2014/main" id="{3610C02E-BF8A-C929-5951-BB79B405E1C2}"/>
+                <a16:creationId xmlns:a16="http://schemas.microsoft.com/office/drawing/2014/main" id="{121762AF-31F6-AA18-AF3C-88D49A5F4F69}"/>
               </a:ext>
             </a:extLst>
           </p:cNvPr>
@@ -21802,12 +22111,67 @@
         </p:nvGrpSpPr>
         <p:grpSpPr>
           <a:xfrm>
-            <a:off x="1500188" y="1143000"/>
-            <a:ext cx="6215062" cy="5143500"/>
-            <a:chOff x="1500188" y="1143000"/>
-            <a:chExt cx="6215062" cy="5143500"/>
+            <a:off x="1331640" y="1000126"/>
+            <a:ext cx="6552728" cy="5453062"/>
+            <a:chOff x="1331640" y="1000126"/>
+            <a:chExt cx="6552728" cy="5453062"/>
           </a:xfrm>
         </p:grpSpPr>
+        <p:sp>
+          <p:nvSpPr>
+            <p:cNvPr id="3" name="正方形/長方形 2">
+              <a:extLst>
+                <a:ext uri="{FF2B5EF4-FFF2-40B4-BE49-F238E27FC236}">
+                  <a16:creationId xmlns:a16="http://schemas.microsoft.com/office/drawing/2014/main" id="{0DCDCE5A-4E34-A27B-AD05-C34C50FE3A92}"/>
+                </a:ext>
+              </a:extLst>
+            </p:cNvPr>
+            <p:cNvSpPr/>
+            <p:nvPr/>
+          </p:nvSpPr>
+          <p:spPr>
+            <a:xfrm>
+              <a:off x="1331640" y="1000126"/>
+              <a:ext cx="6552728" cy="5453062"/>
+            </a:xfrm>
+            <a:prstGeom prst="rect">
+              <a:avLst/>
+            </a:prstGeom>
+            <a:solidFill>
+              <a:schemeClr val="accent6">
+                <a:lumMod val="20000"/>
+                <a:lumOff val="80000"/>
+              </a:schemeClr>
+            </a:solidFill>
+            <a:ln>
+              <a:noFill/>
+            </a:ln>
+          </p:spPr>
+          <p:style>
+            <a:lnRef idx="2">
+              <a:schemeClr val="accent1">
+                <a:shade val="15000"/>
+              </a:schemeClr>
+            </a:lnRef>
+            <a:fillRef idx="1">
+              <a:schemeClr val="accent1"/>
+            </a:fillRef>
+            <a:effectRef idx="0">
+              <a:schemeClr val="accent1"/>
+            </a:effectRef>
+            <a:fontRef idx="minor">
+              <a:schemeClr val="lt1"/>
+            </a:fontRef>
+          </p:style>
+          <p:txBody>
+            <a:bodyPr rtlCol="0" anchor="ctr"/>
+            <a:lstStyle/>
+            <a:p>
+              <a:pPr algn="ctr"/>
+              <a:endParaRPr kumimoji="1" lang="ja-JP" altLang="en-US"/>
+            </a:p>
+          </p:txBody>
+        </p:sp>
         <p:sp>
           <p:nvSpPr>
             <p:cNvPr id="11" name="角丸四角形 10"/>
